--- a/Day 4/slide/Spring Boot REST.pptx
+++ b/Day 4/slide/Spring Boot REST.pptx
@@ -20,7 +20,6 @@
     <p:sldId id="270" r:id="rId14"/>
     <p:sldId id="271" r:id="rId15"/>
     <p:sldId id="272" r:id="rId16"/>
-    <p:sldId id="273" r:id="rId17"/>
   </p:sldIdLst>
   <p:sldSz cx="12192000" cy="6858000"/>
   <p:notesSz cx="6858000" cy="9144000"/>
@@ -119,6 +118,11 @@
       </a:defRPr>
     </a:lvl9pPr>
   </p:defaultTextStyle>
+  <p:extLst>
+    <p:ext uri="{EFAFB233-063F-42B5-8137-9DF3F51BA10A}">
+      <p15:sldGuideLst xmlns:p15="http://schemas.microsoft.com/office/powerpoint/2012/main"/>
+    </p:ext>
+  </p:extLst>
 </p:presentation>
 </file>
 
@@ -22296,883 +22300,6 @@
 </p:sld>
 </file>
 
-<file path=ppt/slides/slide16.xml><?xml version="1.0" encoding="utf-8"?>
-<p:sld xmlns:a="http://schemas.openxmlformats.org/drawingml/2006/main" xmlns:r="http://schemas.openxmlformats.org/officeDocument/2006/relationships" xmlns:p="http://schemas.openxmlformats.org/presentationml/2006/main">
-  <p:cSld>
-    <p:bg>
-      <p:bgPr>
-        <a:solidFill>
-          <a:schemeClr val="bg1"/>
-        </a:solidFill>
-        <a:effectLst/>
-      </p:bgPr>
-    </p:bg>
-    <p:spTree>
-      <p:nvGrpSpPr>
-        <p:cNvPr id="1" name=""/>
-        <p:cNvGrpSpPr/>
-        <p:nvPr/>
-      </p:nvGrpSpPr>
-      <p:grpSpPr>
-        <a:xfrm>
-          <a:off x="0" y="0"/>
-          <a:ext cx="0" cy="0"/>
-          <a:chOff x="0" y="0"/>
-          <a:chExt cx="0" cy="0"/>
-        </a:xfrm>
-      </p:grpSpPr>
-      <p:pic>
-        <p:nvPicPr>
-          <p:cNvPr id="5" name="Picture 4" descr="Puntine rosse su una mappa">
-            <a:extLst>
-              <a:ext uri="{FF2B5EF4-FFF2-40B4-BE49-F238E27FC236}">
-                <a16:creationId xmlns:a16="http://schemas.microsoft.com/office/drawing/2014/main" id="{3810845F-2904-6F7A-8DFE-FEDB591DA506}"/>
-              </a:ext>
-            </a:extLst>
-          </p:cNvPr>
-          <p:cNvPicPr>
-            <a:picLocks noChangeAspect="1"/>
-          </p:cNvPicPr>
-          <p:nvPr/>
-        </p:nvPicPr>
-        <p:blipFill rotWithShape="1">
-          <a:blip r:embed="rId2"/>
-          <a:srcRect l="2766" r="10597"/>
-          <a:stretch/>
-        </p:blipFill>
-        <p:spPr>
-          <a:xfrm>
-            <a:off x="4269854" y="-1"/>
-            <a:ext cx="7922146" cy="6858001"/>
-          </a:xfrm>
-          <a:custGeom>
-            <a:avLst/>
-            <a:gdLst/>
-            <a:ahLst/>
-            <a:cxnLst/>
-            <a:rect l="l" t="t" r="r" b="b"/>
-            <a:pathLst>
-              <a:path w="7922146" h="6858001">
-                <a:moveTo>
-                  <a:pt x="379987" y="0"/>
-                </a:moveTo>
-                <a:lnTo>
-                  <a:pt x="5304971" y="0"/>
-                </a:lnTo>
-                <a:lnTo>
-                  <a:pt x="7065281" y="0"/>
-                </a:lnTo>
-                <a:lnTo>
-                  <a:pt x="7397540" y="0"/>
-                </a:lnTo>
-                <a:lnTo>
-                  <a:pt x="7397540" y="1"/>
-                </a:lnTo>
-                <a:lnTo>
-                  <a:pt x="7922146" y="1"/>
-                </a:lnTo>
-                <a:lnTo>
-                  <a:pt x="7922146" y="6858001"/>
-                </a:lnTo>
-                <a:lnTo>
-                  <a:pt x="7065281" y="6858001"/>
-                </a:lnTo>
-                <a:lnTo>
-                  <a:pt x="7065281" y="6858000"/>
-                </a:lnTo>
-                <a:lnTo>
-                  <a:pt x="5932989" y="6858000"/>
-                </a:lnTo>
-                <a:lnTo>
-                  <a:pt x="5932989" y="6858001"/>
-                </a:lnTo>
-                <a:lnTo>
-                  <a:pt x="27809" y="6858001"/>
-                </a:lnTo>
-                <a:lnTo>
-                  <a:pt x="1803228" y="4521201"/>
-                </a:lnTo>
-                <a:close/>
-                <a:moveTo>
-                  <a:pt x="0" y="0"/>
-                </a:moveTo>
-                <a:lnTo>
-                  <a:pt x="379987" y="0"/>
-                </a:lnTo>
-                <a:lnTo>
-                  <a:pt x="0" y="407"/>
-                </a:lnTo>
-                <a:close/>
-              </a:path>
-            </a:pathLst>
-          </a:custGeom>
-        </p:spPr>
-      </p:pic>
-      <p:sp>
-        <p:nvSpPr>
-          <p:cNvPr id="2" name="Titolo 1">
-            <a:extLst>
-              <a:ext uri="{FF2B5EF4-FFF2-40B4-BE49-F238E27FC236}">
-                <a16:creationId xmlns:a16="http://schemas.microsoft.com/office/drawing/2014/main" id="{FC65A483-AEE6-DD51-99AF-DEA7FAA225B5}"/>
-              </a:ext>
-            </a:extLst>
-          </p:cNvPr>
-          <p:cNvSpPr>
-            <a:spLocks noGrp="1"/>
-          </p:cNvSpPr>
-          <p:nvPr>
-            <p:ph type="title"/>
-          </p:nvPr>
-        </p:nvSpPr>
-        <p:spPr>
-          <a:xfrm>
-            <a:off x="677333" y="609600"/>
-            <a:ext cx="3851123" cy="1320800"/>
-          </a:xfrm>
-        </p:spPr>
-        <p:txBody>
-          <a:bodyPr vert="horz" lIns="91440" tIns="45720" rIns="91440" bIns="45720" rtlCol="0" anchor="t">
-            <a:normAutofit/>
-          </a:bodyPr>
-          <a:lstStyle/>
-          <a:p>
-            <a:r>
-              <a:rPr lang="en-US" dirty="0"/>
-              <a:t>Progetto di </a:t>
-            </a:r>
-            <a:r>
-              <a:rPr lang="en-US" dirty="0" err="1"/>
-              <a:t>riferimento</a:t>
-            </a:r>
-            <a:endParaRPr lang="en-US" dirty="0"/>
-          </a:p>
-        </p:txBody>
-      </p:sp>
-      <p:sp>
-        <p:nvSpPr>
-          <p:cNvPr id="3" name="CasellaDiTesto 2">
-            <a:extLst>
-              <a:ext uri="{FF2B5EF4-FFF2-40B4-BE49-F238E27FC236}">
-                <a16:creationId xmlns:a16="http://schemas.microsoft.com/office/drawing/2014/main" id="{79D24149-26F0-F04A-5D2F-CAC17ADDF8DB}"/>
-              </a:ext>
-            </a:extLst>
-          </p:cNvPr>
-          <p:cNvSpPr txBox="1"/>
-          <p:nvPr/>
-        </p:nvSpPr>
-        <p:spPr>
-          <a:xfrm>
-            <a:off x="677334" y="2160589"/>
-            <a:ext cx="3851122" cy="3880773"/>
-          </a:xfrm>
-          <a:prstGeom prst="rect">
-            <a:avLst/>
-          </a:prstGeom>
-        </p:spPr>
-        <p:txBody>
-          <a:bodyPr vert="horz" lIns="91440" tIns="45720" rIns="91440" bIns="45720" rtlCol="0">
-            <a:normAutofit/>
-          </a:bodyPr>
-          <a:lstStyle/>
-          <a:p>
-            <a:pPr>
-              <a:spcBef>
-                <a:spcPts val="1000"/>
-              </a:spcBef>
-              <a:buClr>
-                <a:schemeClr val="accent1"/>
-              </a:buClr>
-              <a:buSzPct val="80000"/>
-              <a:buFont typeface="Wingdings 3" charset="2"/>
-              <a:buChar char=""/>
-            </a:pPr>
-            <a:r>
-              <a:rPr lang="en-US" dirty="0">
-                <a:solidFill>
-                  <a:schemeClr val="tx1">
-                    <a:lumMod val="75000"/>
-                    <a:lumOff val="25000"/>
-                  </a:schemeClr>
-                </a:solidFill>
-                <a:hlinkClick r:id="rId3"/>
-              </a:rPr>
-              <a:t>https://</a:t>
-            </a:r>
-            <a:r>
-              <a:rPr lang="en-US" dirty="0" err="1">
-                <a:solidFill>
-                  <a:schemeClr val="tx1">
-                    <a:lumMod val="75000"/>
-                    <a:lumOff val="25000"/>
-                  </a:schemeClr>
-                </a:solidFill>
-                <a:hlinkClick r:id="rId3"/>
-              </a:rPr>
-              <a:t>github.com</a:t>
-            </a:r>
-            <a:r>
-              <a:rPr lang="en-US" dirty="0">
-                <a:solidFill>
-                  <a:schemeClr val="tx1">
-                    <a:lumMod val="75000"/>
-                    <a:lumOff val="25000"/>
-                  </a:schemeClr>
-                </a:solidFill>
-                <a:hlinkClick r:id="rId3"/>
-              </a:rPr>
-              <a:t>/AlessandroS94/corso_21122022/tree/main/Day%204/code/Demo0</a:t>
-            </a:r>
-            <a:endParaRPr lang="en-US" dirty="0">
-              <a:solidFill>
-                <a:schemeClr val="tx1">
-                  <a:lumMod val="75000"/>
-                  <a:lumOff val="25000"/>
-                </a:schemeClr>
-              </a:solidFill>
-            </a:endParaRPr>
-          </a:p>
-        </p:txBody>
-      </p:sp>
-      <p:cxnSp>
-        <p:nvCxnSpPr>
-          <p:cNvPr id="9" name="Straight Connector 8">
-            <a:extLst>
-              <a:ext uri="{FF2B5EF4-FFF2-40B4-BE49-F238E27FC236}">
-                <a16:creationId xmlns:a16="http://schemas.microsoft.com/office/drawing/2014/main" id="{64FA5DFF-7FE6-4855-84E6-DFA78EE978BD}"/>
-              </a:ext>
-              <a:ext uri="{C183D7F6-B498-43B3-948B-1728B52AA6E4}">
-                <adec:decorative xmlns:adec="http://schemas.microsoft.com/office/drawing/2017/decorative" val="1"/>
-              </a:ext>
-            </a:extLst>
-          </p:cNvPr>
-          <p:cNvCxnSpPr>
-            <a:cxnSpLocks noGrp="1" noRot="1" noChangeAspect="1" noMove="1" noResize="1" noEditPoints="1" noAdjustHandles="1" noChangeArrowheads="1" noChangeShapeType="1"/>
-          </p:cNvCxnSpPr>
-          <p:nvPr>
-            <p:extLst>
-              <p:ext uri="{386F3935-93C4-4BCD-93E2-E3B085C9AB24}">
-                <p16:designElem xmlns:p16="http://schemas.microsoft.com/office/powerpoint/2015/main" val="1"/>
-              </p:ext>
-            </p:extLst>
-          </p:nvPr>
-        </p:nvCxnSpPr>
-        <p:spPr>
-          <a:xfrm>
-            <a:off x="9371012" y="0"/>
-            <a:ext cx="1219200" cy="6858000"/>
-          </a:xfrm>
-          <a:prstGeom prst="line">
-            <a:avLst/>
-          </a:prstGeom>
-          <a:ln w="9525">
-            <a:solidFill>
-              <a:schemeClr val="bg1">
-                <a:lumMod val="75000"/>
-              </a:schemeClr>
-            </a:solidFill>
-          </a:ln>
-        </p:spPr>
-        <p:style>
-          <a:lnRef idx="2">
-            <a:schemeClr val="accent1"/>
-          </a:lnRef>
-          <a:fillRef idx="0">
-            <a:schemeClr val="accent1"/>
-          </a:fillRef>
-          <a:effectRef idx="1">
-            <a:schemeClr val="accent1"/>
-          </a:effectRef>
-          <a:fontRef idx="minor">
-            <a:schemeClr val="tx1"/>
-          </a:fontRef>
-        </p:style>
-      </p:cxnSp>
-      <p:cxnSp>
-        <p:nvCxnSpPr>
-          <p:cNvPr id="11" name="Straight Connector 10">
-            <a:extLst>
-              <a:ext uri="{FF2B5EF4-FFF2-40B4-BE49-F238E27FC236}">
-                <a16:creationId xmlns:a16="http://schemas.microsoft.com/office/drawing/2014/main" id="{2AFD8CBA-54A3-4363-991B-B9C631BBFA74}"/>
-              </a:ext>
-              <a:ext uri="{C183D7F6-B498-43B3-948B-1728B52AA6E4}">
-                <adec:decorative xmlns:adec="http://schemas.microsoft.com/office/drawing/2017/decorative" val="1"/>
-              </a:ext>
-            </a:extLst>
-          </p:cNvPr>
-          <p:cNvCxnSpPr>
-            <a:cxnSpLocks noGrp="1" noRot="1" noChangeAspect="1" noMove="1" noResize="1" noEditPoints="1" noAdjustHandles="1" noChangeArrowheads="1" noChangeShapeType="1"/>
-          </p:cNvCxnSpPr>
-          <p:nvPr>
-            <p:extLst>
-              <p:ext uri="{386F3935-93C4-4BCD-93E2-E3B085C9AB24}">
-                <p16:designElem xmlns:p16="http://schemas.microsoft.com/office/powerpoint/2015/main" val="1"/>
-              </p:ext>
-            </p:extLst>
-          </p:nvPr>
-        </p:nvCxnSpPr>
-        <p:spPr>
-          <a:xfrm flipH="1">
-            <a:off x="7425267" y="3681413"/>
-            <a:ext cx="4763558" cy="3176587"/>
-          </a:xfrm>
-          <a:prstGeom prst="line">
-            <a:avLst/>
-          </a:prstGeom>
-          <a:ln w="9525">
-            <a:solidFill>
-              <a:schemeClr val="bg1">
-                <a:lumMod val="85000"/>
-              </a:schemeClr>
-            </a:solidFill>
-          </a:ln>
-        </p:spPr>
-        <p:style>
-          <a:lnRef idx="2">
-            <a:schemeClr val="accent1"/>
-          </a:lnRef>
-          <a:fillRef idx="0">
-            <a:schemeClr val="accent1"/>
-          </a:fillRef>
-          <a:effectRef idx="1">
-            <a:schemeClr val="accent1"/>
-          </a:effectRef>
-          <a:fontRef idx="minor">
-            <a:schemeClr val="tx1"/>
-          </a:fontRef>
-        </p:style>
-      </p:cxnSp>
-      <p:sp>
-        <p:nvSpPr>
-          <p:cNvPr id="13" name="Rectangle 23">
-            <a:extLst>
-              <a:ext uri="{FF2B5EF4-FFF2-40B4-BE49-F238E27FC236}">
-                <a16:creationId xmlns:a16="http://schemas.microsoft.com/office/drawing/2014/main" id="{3F088236-D655-4F88-B238-E16762358025}"/>
-              </a:ext>
-              <a:ext uri="{C183D7F6-B498-43B3-948B-1728B52AA6E4}">
-                <adec:decorative xmlns:adec="http://schemas.microsoft.com/office/drawing/2017/decorative" val="1"/>
-              </a:ext>
-            </a:extLst>
-          </p:cNvPr>
-          <p:cNvSpPr>
-            <a:spLocks noGrp="1" noRot="1" noChangeAspect="1" noMove="1" noResize="1" noEditPoints="1" noAdjustHandles="1" noChangeArrowheads="1" noChangeShapeType="1" noTextEdit="1"/>
-          </p:cNvSpPr>
-          <p:nvPr>
-            <p:extLst>
-              <p:ext uri="{386F3935-93C4-4BCD-93E2-E3B085C9AB24}">
-                <p16:designElem xmlns:p16="http://schemas.microsoft.com/office/powerpoint/2015/main" val="1"/>
-              </p:ext>
-            </p:extLst>
-          </p:nvPr>
-        </p:nvSpPr>
-        <p:spPr>
-          <a:xfrm>
-            <a:off x="9181476" y="-8467"/>
-            <a:ext cx="3007349" cy="6866467"/>
-          </a:xfrm>
-          <a:custGeom>
-            <a:avLst/>
-            <a:gdLst/>
-            <a:ahLst/>
-            <a:cxnLst/>
-            <a:rect l="l" t="t" r="r" b="b"/>
-            <a:pathLst>
-              <a:path w="3007349" h="6866467">
-                <a:moveTo>
-                  <a:pt x="2045532" y="0"/>
-                </a:moveTo>
-                <a:lnTo>
-                  <a:pt x="3007349" y="0"/>
-                </a:lnTo>
-                <a:lnTo>
-                  <a:pt x="3007349" y="6866467"/>
-                </a:lnTo>
-                <a:lnTo>
-                  <a:pt x="0" y="6866467"/>
-                </a:lnTo>
-                <a:lnTo>
-                  <a:pt x="2045532" y="0"/>
-                </a:lnTo>
-                <a:close/>
-              </a:path>
-            </a:pathLst>
-          </a:custGeom>
-          <a:solidFill>
-            <a:schemeClr val="accent1">
-              <a:alpha val="30000"/>
-            </a:schemeClr>
-          </a:solidFill>
-          <a:ln>
-            <a:noFill/>
-          </a:ln>
-          <a:effectLst/>
-        </p:spPr>
-        <p:style>
-          <a:lnRef idx="1">
-            <a:schemeClr val="accent1"/>
-          </a:lnRef>
-          <a:fillRef idx="3">
-            <a:schemeClr val="accent1"/>
-          </a:fillRef>
-          <a:effectRef idx="2">
-            <a:schemeClr val="accent1"/>
-          </a:effectRef>
-          <a:fontRef idx="minor">
-            <a:schemeClr val="lt1"/>
-          </a:fontRef>
-        </p:style>
-      </p:sp>
-      <p:sp>
-        <p:nvSpPr>
-          <p:cNvPr id="15" name="Rectangle 25">
-            <a:extLst>
-              <a:ext uri="{FF2B5EF4-FFF2-40B4-BE49-F238E27FC236}">
-                <a16:creationId xmlns:a16="http://schemas.microsoft.com/office/drawing/2014/main" id="{3DAC0C92-199E-475C-9390-119A9B027276}"/>
-              </a:ext>
-              <a:ext uri="{C183D7F6-B498-43B3-948B-1728B52AA6E4}">
-                <adec:decorative xmlns:adec="http://schemas.microsoft.com/office/drawing/2017/decorative" val="1"/>
-              </a:ext>
-            </a:extLst>
-          </p:cNvPr>
-          <p:cNvSpPr>
-            <a:spLocks noGrp="1" noRot="1" noChangeAspect="1" noMove="1" noResize="1" noEditPoints="1" noAdjustHandles="1" noChangeArrowheads="1" noChangeShapeType="1" noTextEdit="1"/>
-          </p:cNvSpPr>
-          <p:nvPr>
-            <p:extLst>
-              <p:ext uri="{386F3935-93C4-4BCD-93E2-E3B085C9AB24}">
-                <p16:designElem xmlns:p16="http://schemas.microsoft.com/office/powerpoint/2015/main" val="1"/>
-              </p:ext>
-            </p:extLst>
-          </p:nvPr>
-        </p:nvSpPr>
-        <p:spPr>
-          <a:xfrm>
-            <a:off x="9603442" y="-8467"/>
-            <a:ext cx="2588558" cy="6866467"/>
-          </a:xfrm>
-          <a:custGeom>
-            <a:avLst/>
-            <a:gdLst/>
-            <a:ahLst/>
-            <a:cxnLst/>
-            <a:rect l="l" t="t" r="r" b="b"/>
-            <a:pathLst>
-              <a:path w="2573311" h="6866467">
-                <a:moveTo>
-                  <a:pt x="0" y="0"/>
-                </a:moveTo>
-                <a:lnTo>
-                  <a:pt x="2573311" y="0"/>
-                </a:lnTo>
-                <a:lnTo>
-                  <a:pt x="2573311" y="6866467"/>
-                </a:lnTo>
-                <a:lnTo>
-                  <a:pt x="1202336" y="6866467"/>
-                </a:lnTo>
-                <a:lnTo>
-                  <a:pt x="0" y="0"/>
-                </a:lnTo>
-                <a:close/>
-              </a:path>
-            </a:pathLst>
-          </a:custGeom>
-          <a:solidFill>
-            <a:schemeClr val="accent1">
-              <a:alpha val="20000"/>
-            </a:schemeClr>
-          </a:solidFill>
-          <a:ln>
-            <a:noFill/>
-          </a:ln>
-          <a:effectLst/>
-        </p:spPr>
-        <p:style>
-          <a:lnRef idx="1">
-            <a:schemeClr val="accent1"/>
-          </a:lnRef>
-          <a:fillRef idx="3">
-            <a:schemeClr val="accent1"/>
-          </a:fillRef>
-          <a:effectRef idx="2">
-            <a:schemeClr val="accent1"/>
-          </a:effectRef>
-          <a:fontRef idx="minor">
-            <a:schemeClr val="lt1"/>
-          </a:fontRef>
-        </p:style>
-      </p:sp>
-      <p:sp>
-        <p:nvSpPr>
-          <p:cNvPr id="17" name="Isosceles Triangle 24">
-            <a:extLst>
-              <a:ext uri="{FF2B5EF4-FFF2-40B4-BE49-F238E27FC236}">
-                <a16:creationId xmlns:a16="http://schemas.microsoft.com/office/drawing/2014/main" id="{C4CFB339-0ED8-4FE2-9EF1-6D1375B8499B}"/>
-              </a:ext>
-              <a:ext uri="{C183D7F6-B498-43B3-948B-1728B52AA6E4}">
-                <adec:decorative xmlns:adec="http://schemas.microsoft.com/office/drawing/2017/decorative" val="1"/>
-              </a:ext>
-            </a:extLst>
-          </p:cNvPr>
-          <p:cNvSpPr>
-            <a:spLocks noGrp="1" noRot="1" noChangeAspect="1" noMove="1" noResize="1" noEditPoints="1" noAdjustHandles="1" noChangeArrowheads="1" noChangeShapeType="1" noTextEdit="1"/>
-          </p:cNvSpPr>
-          <p:nvPr>
-            <p:extLst>
-              <p:ext uri="{386F3935-93C4-4BCD-93E2-E3B085C9AB24}">
-                <p16:designElem xmlns:p16="http://schemas.microsoft.com/office/powerpoint/2015/main" val="1"/>
-              </p:ext>
-            </p:extLst>
-          </p:nvPr>
-        </p:nvSpPr>
-        <p:spPr>
-          <a:xfrm>
-            <a:off x="8932333" y="3048000"/>
-            <a:ext cx="3259667" cy="3810000"/>
-          </a:xfrm>
-          <a:prstGeom prst="triangle">
-            <a:avLst>
-              <a:gd name="adj" fmla="val 100000"/>
-            </a:avLst>
-          </a:prstGeom>
-          <a:solidFill>
-            <a:schemeClr val="accent2">
-              <a:alpha val="72000"/>
-            </a:schemeClr>
-          </a:solidFill>
-          <a:ln>
-            <a:noFill/>
-          </a:ln>
-          <a:effectLst/>
-        </p:spPr>
-        <p:style>
-          <a:lnRef idx="1">
-            <a:schemeClr val="accent1"/>
-          </a:lnRef>
-          <a:fillRef idx="3">
-            <a:schemeClr val="accent1"/>
-          </a:fillRef>
-          <a:effectRef idx="2">
-            <a:schemeClr val="accent1"/>
-          </a:effectRef>
-          <a:fontRef idx="minor">
-            <a:schemeClr val="lt1"/>
-          </a:fontRef>
-        </p:style>
-      </p:sp>
-      <p:sp>
-        <p:nvSpPr>
-          <p:cNvPr id="19" name="Rectangle 27">
-            <a:extLst>
-              <a:ext uri="{FF2B5EF4-FFF2-40B4-BE49-F238E27FC236}">
-                <a16:creationId xmlns:a16="http://schemas.microsoft.com/office/drawing/2014/main" id="{31896C80-2069-4431-9C19-83B913734490}"/>
-              </a:ext>
-              <a:ext uri="{C183D7F6-B498-43B3-948B-1728B52AA6E4}">
-                <adec:decorative xmlns:adec="http://schemas.microsoft.com/office/drawing/2017/decorative" val="1"/>
-              </a:ext>
-            </a:extLst>
-          </p:cNvPr>
-          <p:cNvSpPr>
-            <a:spLocks noGrp="1" noRot="1" noChangeAspect="1" noMove="1" noResize="1" noEditPoints="1" noAdjustHandles="1" noChangeArrowheads="1" noChangeShapeType="1" noTextEdit="1"/>
-          </p:cNvSpPr>
-          <p:nvPr>
-            <p:extLst>
-              <p:ext uri="{386F3935-93C4-4BCD-93E2-E3B085C9AB24}">
-                <p16:designElem xmlns:p16="http://schemas.microsoft.com/office/powerpoint/2015/main" val="1"/>
-              </p:ext>
-            </p:extLst>
-          </p:nvPr>
-        </p:nvSpPr>
-        <p:spPr>
-          <a:xfrm>
-            <a:off x="9334500" y="-8467"/>
-            <a:ext cx="2854326" cy="6866467"/>
-          </a:xfrm>
-          <a:custGeom>
-            <a:avLst/>
-            <a:gdLst/>
-            <a:ahLst/>
-            <a:cxnLst/>
-            <a:rect l="l" t="t" r="r" b="b"/>
-            <a:pathLst>
-              <a:path w="2858013" h="6866467">
-                <a:moveTo>
-                  <a:pt x="0" y="0"/>
-                </a:moveTo>
-                <a:lnTo>
-                  <a:pt x="2858013" y="0"/>
-                </a:lnTo>
-                <a:lnTo>
-                  <a:pt x="2858013" y="6866467"/>
-                </a:lnTo>
-                <a:lnTo>
-                  <a:pt x="2473942" y="6866467"/>
-                </a:lnTo>
-                <a:lnTo>
-                  <a:pt x="0" y="0"/>
-                </a:lnTo>
-                <a:close/>
-              </a:path>
-            </a:pathLst>
-          </a:custGeom>
-          <a:solidFill>
-            <a:schemeClr val="accent2">
-              <a:lumMod val="75000"/>
-              <a:alpha val="47000"/>
-            </a:schemeClr>
-          </a:solidFill>
-          <a:ln>
-            <a:noFill/>
-          </a:ln>
-          <a:effectLst/>
-        </p:spPr>
-        <p:style>
-          <a:lnRef idx="1">
-            <a:schemeClr val="accent1"/>
-          </a:lnRef>
-          <a:fillRef idx="3">
-            <a:schemeClr val="accent1"/>
-          </a:fillRef>
-          <a:effectRef idx="2">
-            <a:schemeClr val="accent1"/>
-          </a:effectRef>
-          <a:fontRef idx="minor">
-            <a:schemeClr val="lt1"/>
-          </a:fontRef>
-        </p:style>
-      </p:sp>
-      <p:sp>
-        <p:nvSpPr>
-          <p:cNvPr id="21" name="Rectangle 28">
-            <a:extLst>
-              <a:ext uri="{FF2B5EF4-FFF2-40B4-BE49-F238E27FC236}">
-                <a16:creationId xmlns:a16="http://schemas.microsoft.com/office/drawing/2014/main" id="{BF120A21-0841-4823-B0C4-28AEBCEF9B78}"/>
-              </a:ext>
-              <a:ext uri="{C183D7F6-B498-43B3-948B-1728B52AA6E4}">
-                <adec:decorative xmlns:adec="http://schemas.microsoft.com/office/drawing/2017/decorative" val="1"/>
-              </a:ext>
-            </a:extLst>
-          </p:cNvPr>
-          <p:cNvSpPr>
-            <a:spLocks noGrp="1" noRot="1" noChangeAspect="1" noMove="1" noResize="1" noEditPoints="1" noAdjustHandles="1" noChangeArrowheads="1" noChangeShapeType="1" noTextEdit="1"/>
-          </p:cNvSpPr>
-          <p:nvPr>
-            <p:extLst>
-              <p:ext uri="{386F3935-93C4-4BCD-93E2-E3B085C9AB24}">
-                <p16:designElem xmlns:p16="http://schemas.microsoft.com/office/powerpoint/2015/main" val="1"/>
-              </p:ext>
-            </p:extLst>
-          </p:nvPr>
-        </p:nvSpPr>
-        <p:spPr>
-          <a:xfrm>
-            <a:off x="10898730" y="-8467"/>
-            <a:ext cx="1290094" cy="6866467"/>
-          </a:xfrm>
-          <a:custGeom>
-            <a:avLst/>
-            <a:gdLst/>
-            <a:ahLst/>
-            <a:cxnLst/>
-            <a:rect l="l" t="t" r="r" b="b"/>
-            <a:pathLst>
-              <a:path w="1290094" h="6858000">
-                <a:moveTo>
-                  <a:pt x="1019735" y="0"/>
-                </a:moveTo>
-                <a:lnTo>
-                  <a:pt x="1290094" y="0"/>
-                </a:lnTo>
-                <a:lnTo>
-                  <a:pt x="1290094" y="6858000"/>
-                </a:lnTo>
-                <a:lnTo>
-                  <a:pt x="0" y="6858000"/>
-                </a:lnTo>
-                <a:lnTo>
-                  <a:pt x="1019735" y="0"/>
-                </a:lnTo>
-                <a:close/>
-              </a:path>
-            </a:pathLst>
-          </a:custGeom>
-          <a:solidFill>
-            <a:schemeClr val="accent1">
-              <a:lumMod val="60000"/>
-              <a:lumOff val="40000"/>
-              <a:alpha val="70000"/>
-            </a:schemeClr>
-          </a:solidFill>
-          <a:ln>
-            <a:noFill/>
-          </a:ln>
-          <a:effectLst/>
-        </p:spPr>
-        <p:style>
-          <a:lnRef idx="1">
-            <a:schemeClr val="accent1"/>
-          </a:lnRef>
-          <a:fillRef idx="3">
-            <a:schemeClr val="accent1"/>
-          </a:fillRef>
-          <a:effectRef idx="2">
-            <a:schemeClr val="accent1"/>
-          </a:effectRef>
-          <a:fontRef idx="minor">
-            <a:schemeClr val="lt1"/>
-          </a:fontRef>
-        </p:style>
-      </p:sp>
-      <p:sp>
-        <p:nvSpPr>
-          <p:cNvPr id="23" name="Rectangle 29">
-            <a:extLst>
-              <a:ext uri="{FF2B5EF4-FFF2-40B4-BE49-F238E27FC236}">
-                <a16:creationId xmlns:a16="http://schemas.microsoft.com/office/drawing/2014/main" id="{DBB05BAE-BBD3-4289-899F-A6851503C6B0}"/>
-              </a:ext>
-              <a:ext uri="{C183D7F6-B498-43B3-948B-1728B52AA6E4}">
-                <adec:decorative xmlns:adec="http://schemas.microsoft.com/office/drawing/2017/decorative" val="1"/>
-              </a:ext>
-            </a:extLst>
-          </p:cNvPr>
-          <p:cNvSpPr>
-            <a:spLocks noGrp="1" noRot="1" noChangeAspect="1" noMove="1" noResize="1" noEditPoints="1" noAdjustHandles="1" noChangeArrowheads="1" noChangeShapeType="1" noTextEdit="1"/>
-          </p:cNvSpPr>
-          <p:nvPr>
-            <p:extLst>
-              <p:ext uri="{386F3935-93C4-4BCD-93E2-E3B085C9AB24}">
-                <p16:designElem xmlns:p16="http://schemas.microsoft.com/office/powerpoint/2015/main" val="1"/>
-              </p:ext>
-            </p:extLst>
-          </p:nvPr>
-        </p:nvSpPr>
-        <p:spPr>
-          <a:xfrm>
-            <a:off x="10938999" y="-8467"/>
-            <a:ext cx="1249825" cy="6866467"/>
-          </a:xfrm>
-          <a:custGeom>
-            <a:avLst/>
-            <a:gdLst/>
-            <a:ahLst/>
-            <a:cxnLst/>
-            <a:rect l="l" t="t" r="r" b="b"/>
-            <a:pathLst>
-              <a:path w="1249825" h="6858000">
-                <a:moveTo>
-                  <a:pt x="0" y="0"/>
-                </a:moveTo>
-                <a:lnTo>
-                  <a:pt x="1249825" y="0"/>
-                </a:lnTo>
-                <a:lnTo>
-                  <a:pt x="1249825" y="6858000"/>
-                </a:lnTo>
-                <a:lnTo>
-                  <a:pt x="1109382" y="6858000"/>
-                </a:lnTo>
-                <a:lnTo>
-                  <a:pt x="0" y="0"/>
-                </a:lnTo>
-                <a:close/>
-              </a:path>
-            </a:pathLst>
-          </a:custGeom>
-          <a:solidFill>
-            <a:schemeClr val="accent1">
-              <a:alpha val="65000"/>
-            </a:schemeClr>
-          </a:solidFill>
-          <a:ln>
-            <a:noFill/>
-          </a:ln>
-          <a:effectLst/>
-        </p:spPr>
-        <p:style>
-          <a:lnRef idx="1">
-            <a:schemeClr val="accent1"/>
-          </a:lnRef>
-          <a:fillRef idx="3">
-            <a:schemeClr val="accent1"/>
-          </a:fillRef>
-          <a:effectRef idx="2">
-            <a:schemeClr val="accent1"/>
-          </a:effectRef>
-          <a:fontRef idx="minor">
-            <a:schemeClr val="lt1"/>
-          </a:fontRef>
-        </p:style>
-      </p:sp>
-      <p:sp>
-        <p:nvSpPr>
-          <p:cNvPr id="25" name="Isosceles Triangle 29">
-            <a:extLst>
-              <a:ext uri="{FF2B5EF4-FFF2-40B4-BE49-F238E27FC236}">
-                <a16:creationId xmlns:a16="http://schemas.microsoft.com/office/drawing/2014/main" id="{9874D11C-36F5-4BBE-A490-019A54E953B0}"/>
-              </a:ext>
-              <a:ext uri="{C183D7F6-B498-43B3-948B-1728B52AA6E4}">
-                <adec:decorative xmlns:adec="http://schemas.microsoft.com/office/drawing/2017/decorative" val="1"/>
-              </a:ext>
-            </a:extLst>
-          </p:cNvPr>
-          <p:cNvSpPr>
-            <a:spLocks noGrp="1" noRot="1" noChangeAspect="1" noMove="1" noResize="1" noEditPoints="1" noAdjustHandles="1" noChangeArrowheads="1" noChangeShapeType="1" noTextEdit="1"/>
-          </p:cNvSpPr>
-          <p:nvPr>
-            <p:extLst>
-              <p:ext uri="{386F3935-93C4-4BCD-93E2-E3B085C9AB24}">
-                <p16:designElem xmlns:p16="http://schemas.microsoft.com/office/powerpoint/2015/main" val="1"/>
-              </p:ext>
-            </p:extLst>
-          </p:nvPr>
-        </p:nvSpPr>
-        <p:spPr>
-          <a:xfrm>
-            <a:off x="10371666" y="3589867"/>
-            <a:ext cx="1817159" cy="3268133"/>
-          </a:xfrm>
-          <a:prstGeom prst="triangle">
-            <a:avLst>
-              <a:gd name="adj" fmla="val 100000"/>
-            </a:avLst>
-          </a:prstGeom>
-          <a:solidFill>
-            <a:schemeClr val="accent1">
-              <a:alpha val="80000"/>
-            </a:schemeClr>
-          </a:solidFill>
-          <a:ln>
-            <a:noFill/>
-          </a:ln>
-          <a:effectLst/>
-        </p:spPr>
-        <p:style>
-          <a:lnRef idx="1">
-            <a:schemeClr val="accent1"/>
-          </a:lnRef>
-          <a:fillRef idx="3">
-            <a:schemeClr val="accent1"/>
-          </a:fillRef>
-          <a:effectRef idx="2">
-            <a:schemeClr val="accent1"/>
-          </a:effectRef>
-          <a:fontRef idx="minor">
-            <a:schemeClr val="lt1"/>
-          </a:fontRef>
-        </p:style>
-      </p:sp>
-    </p:spTree>
-    <p:extLst>
-      <p:ext uri="{BB962C8B-B14F-4D97-AF65-F5344CB8AC3E}">
-        <p14:creationId xmlns:p14="http://schemas.microsoft.com/office/powerpoint/2010/main" val="492643364"/>
-      </p:ext>
-    </p:extLst>
-  </p:cSld>
-  <p:clrMapOvr>
-    <a:masterClrMapping/>
-  </p:clrMapOvr>
-</p:sld>
-</file>
-
 <file path=ppt/slides/slide2.xml><?xml version="1.0" encoding="utf-8"?>
 <p:sld xmlns:a="http://schemas.openxmlformats.org/drawingml/2006/main" xmlns:r="http://schemas.openxmlformats.org/officeDocument/2006/relationships" xmlns:p="http://schemas.openxmlformats.org/presentationml/2006/main">
   <p:cSld>
